--- a/knowledge_graph.pptx
+++ b/knowledge_graph.pptx
@@ -3399,7 +3399,7 @@
         </p:nvSpPr>
         <p:spPr>
           <a:xfrm>
-            <a:off x="5282511" y="1320702"/>
+            <a:off x="5327559" y="1193274"/>
             <a:ext cx="1763488" cy="1121229"/>
           </a:xfrm>
           <a:prstGeom prst="ellipse">
@@ -3564,7 +3564,7 @@
                   </a:solidFill>
                 </a:ln>
                 <a:solidFill>
-                  <a:schemeClr val="bg1"/>
+                  <a:schemeClr val="tx1"/>
                 </a:solidFill>
               </a:rPr>
               <a:t>Functional Analysis</a:t>
@@ -3586,7 +3586,7 @@
         </p:nvSpPr>
         <p:spPr>
           <a:xfrm>
-            <a:off x="2730027" y="1068565"/>
+            <a:off x="2921738" y="921569"/>
             <a:ext cx="1763488" cy="1121229"/>
           </a:xfrm>
           <a:prstGeom prst="ellipse">
@@ -3925,7 +3925,7 @@
         </p:nvSpPr>
         <p:spPr>
           <a:xfrm>
-            <a:off x="6015499" y="248753"/>
+            <a:off x="5951046" y="159569"/>
             <a:ext cx="1763488" cy="762000"/>
           </a:xfrm>
           <a:prstGeom prst="ellipse">
@@ -4114,8 +4114,8 @@
         </p:nvSpPr>
         <p:spPr>
           <a:xfrm>
-            <a:off x="7731801" y="1344092"/>
-            <a:ext cx="2155371" cy="1121229"/>
+            <a:off x="7906666" y="1614406"/>
+            <a:ext cx="2155371" cy="928254"/>
           </a:xfrm>
           <a:prstGeom prst="ellipse">
             <a:avLst/>
@@ -4332,13 +4332,14 @@
           <p:cNvCxnSpPr>
             <a:cxnSpLocks/>
             <a:stCxn id="5" idx="4"/>
+            <a:endCxn id="13" idx="5"/>
           </p:cNvCxnSpPr>
           <p:nvPr/>
         </p:nvCxnSpPr>
         <p:spPr>
           <a:xfrm flipH="1">
-            <a:off x="6129064" y="2441931"/>
-            <a:ext cx="35191" cy="221795"/>
+            <a:off x="6206919" y="2314503"/>
+            <a:ext cx="2384" cy="303512"/>
           </a:xfrm>
           <a:prstGeom prst="straightConnector1">
             <a:avLst/>
@@ -5010,8 +5011,8 @@
         </p:nvCxnSpPr>
         <p:spPr>
           <a:xfrm>
-            <a:off x="4493515" y="1629180"/>
-            <a:ext cx="788996" cy="252137"/>
+            <a:off x="4685226" y="1482184"/>
+            <a:ext cx="642333" cy="271705"/>
           </a:xfrm>
           <a:prstGeom prst="straightConnector1">
             <a:avLst/>
@@ -5046,15 +5047,15 @@
           </p:cNvPr>
           <p:cNvCxnSpPr>
             <a:cxnSpLocks/>
-            <a:stCxn id="10" idx="6"/>
-            <a:endCxn id="16" idx="2"/>
+            <a:stCxn id="5" idx="0"/>
+            <a:endCxn id="16" idx="3"/>
           </p:cNvCxnSpPr>
           <p:nvPr/>
         </p:nvCxnSpPr>
         <p:spPr>
           <a:xfrm flipV="1">
-            <a:off x="4493515" y="629753"/>
-            <a:ext cx="1521984" cy="999427"/>
+            <a:off x="6209303" y="809977"/>
+            <a:ext cx="0" cy="383297"/>
           </a:xfrm>
           <a:prstGeom prst="straightConnector1">
             <a:avLst/>
@@ -5095,7 +5096,7 @@
         </p:nvCxnSpPr>
         <p:spPr>
           <a:xfrm flipV="1">
-            <a:off x="2350377" y="629753"/>
+            <a:off x="2285924" y="540569"/>
             <a:ext cx="3665122" cy="118713"/>
           </a:xfrm>
           <a:prstGeom prst="straightConnector1">
@@ -5139,7 +5140,7 @@
         <p:spPr>
           <a:xfrm flipH="1" flipV="1">
             <a:off x="2104820" y="1156502"/>
-            <a:ext cx="625207" cy="472678"/>
+            <a:ext cx="816918" cy="325682"/>
           </a:xfrm>
           <a:prstGeom prst="straightConnector1">
             <a:avLst/>
@@ -5350,8 +5351,8 @@
         </p:nvCxnSpPr>
         <p:spPr>
           <a:xfrm>
-            <a:off x="7045999" y="1881317"/>
-            <a:ext cx="685802" cy="23390"/>
+            <a:off x="7091047" y="1753889"/>
+            <a:ext cx="815619" cy="324644"/>
           </a:xfrm>
           <a:prstGeom prst="straightConnector1">
             <a:avLst/>
@@ -5392,9 +5393,9 @@
           <p:nvPr/>
         </p:nvCxnSpPr>
         <p:spPr>
-          <a:xfrm>
-            <a:off x="8809487" y="2465321"/>
-            <a:ext cx="7456" cy="597704"/>
+          <a:xfrm flipH="1">
+            <a:off x="8816943" y="2542660"/>
+            <a:ext cx="167409" cy="520365"/>
           </a:xfrm>
           <a:prstGeom prst="straightConnector1">
             <a:avLst/>
@@ -5565,8 +5566,8 @@
         </p:nvCxnSpPr>
         <p:spPr>
           <a:xfrm>
-            <a:off x="7520730" y="899161"/>
-            <a:ext cx="526718" cy="609131"/>
+            <a:off x="7456277" y="809977"/>
+            <a:ext cx="766036" cy="940369"/>
           </a:xfrm>
           <a:prstGeom prst="straightConnector1">
             <a:avLst/>
@@ -5608,8 +5609,8 @@
         </p:nvCxnSpPr>
         <p:spPr>
           <a:xfrm flipH="1">
-            <a:off x="9571525" y="1254050"/>
-            <a:ext cx="662559" cy="254242"/>
+            <a:off x="9746390" y="1254050"/>
+            <a:ext cx="487694" cy="496296"/>
           </a:xfrm>
           <a:prstGeom prst="straightConnector1">
             <a:avLst/>
@@ -5732,7 +5733,7 @@
         </p:nvSpPr>
         <p:spPr>
           <a:xfrm>
-            <a:off x="10513657" y="1624920"/>
+            <a:off x="10530147" y="1714647"/>
             <a:ext cx="1574786" cy="873002"/>
           </a:xfrm>
           <a:prstGeom prst="ellipse">
@@ -5797,8 +5798,8 @@
         </p:nvCxnSpPr>
         <p:spPr>
           <a:xfrm flipH="1" flipV="1">
-            <a:off x="9887172" y="1904707"/>
-            <a:ext cx="626485" cy="156714"/>
+            <a:off x="10062037" y="2078533"/>
+            <a:ext cx="468110" cy="72615"/>
           </a:xfrm>
           <a:prstGeom prst="straightConnector1">
             <a:avLst/>
@@ -5841,7 +5842,7 @@
         <p:spPr>
           <a:xfrm flipH="1" flipV="1">
             <a:off x="10905835" y="1418250"/>
-            <a:ext cx="395215" cy="206670"/>
+            <a:ext cx="411705" cy="296397"/>
           </a:xfrm>
           <a:prstGeom prst="straightConnector1">
             <a:avLst/>
@@ -5980,6 +5981,91 @@
           <a:xfrm>
             <a:off x="5346653" y="3887817"/>
             <a:ext cx="602817" cy="2280980"/>
+          </a:xfrm>
+          <a:prstGeom prst="straightConnector1">
+            <a:avLst/>
+          </a:prstGeom>
+          <a:ln w="44450">
+            <a:tailEnd type="triangle"/>
+          </a:ln>
+        </p:spPr>
+        <p:style>
+          <a:lnRef idx="1">
+            <a:schemeClr val="accent1"/>
+          </a:lnRef>
+          <a:fillRef idx="0">
+            <a:schemeClr val="accent1"/>
+          </a:fillRef>
+          <a:effectRef idx="0">
+            <a:schemeClr val="accent1"/>
+          </a:effectRef>
+          <a:fontRef idx="minor">
+            <a:schemeClr val="tx1"/>
+          </a:fontRef>
+        </p:style>
+      </p:cxnSp>
+      <p:cxnSp>
+        <p:nvCxnSpPr>
+          <p:cNvPr id="182" name="Straight Arrow Connector 181">
+            <a:extLst>
+              <a:ext uri="{FF2B5EF4-FFF2-40B4-BE49-F238E27FC236}">
+                <a16:creationId xmlns:a16="http://schemas.microsoft.com/office/drawing/2014/main" id="{B5C28012-7335-41E8-75D3-1751D7663409}"/>
+              </a:ext>
+            </a:extLst>
+          </p:cNvPr>
+          <p:cNvCxnSpPr>
+            <a:cxnSpLocks/>
+            <a:stCxn id="145" idx="6"/>
+          </p:cNvCxnSpPr>
+          <p:nvPr/>
+        </p:nvCxnSpPr>
+        <p:spPr>
+          <a:xfrm flipH="1">
+            <a:off x="11117206" y="2151148"/>
+            <a:ext cx="987727" cy="3380140"/>
+          </a:xfrm>
+          <a:prstGeom prst="straightConnector1">
+            <a:avLst/>
+          </a:prstGeom>
+          <a:ln w="44450">
+            <a:tailEnd type="triangle"/>
+          </a:ln>
+        </p:spPr>
+        <p:style>
+          <a:lnRef idx="1">
+            <a:schemeClr val="accent1"/>
+          </a:lnRef>
+          <a:fillRef idx="0">
+            <a:schemeClr val="accent1"/>
+          </a:fillRef>
+          <a:effectRef idx="0">
+            <a:schemeClr val="accent1"/>
+          </a:effectRef>
+          <a:fontRef idx="minor">
+            <a:schemeClr val="tx1"/>
+          </a:fontRef>
+        </p:style>
+      </p:cxnSp>
+      <p:cxnSp>
+        <p:nvCxnSpPr>
+          <p:cNvPr id="186" name="Straight Arrow Connector 185">
+            <a:extLst>
+              <a:ext uri="{FF2B5EF4-FFF2-40B4-BE49-F238E27FC236}">
+                <a16:creationId xmlns:a16="http://schemas.microsoft.com/office/drawing/2014/main" id="{8E67D019-A9CE-3651-6674-53FE3BE053E3}"/>
+              </a:ext>
+            </a:extLst>
+          </p:cNvPr>
+          <p:cNvCxnSpPr>
+            <a:cxnSpLocks/>
+            <a:stCxn id="145" idx="0"/>
+            <a:endCxn id="5" idx="7"/>
+          </p:cNvCxnSpPr>
+          <p:nvPr/>
+        </p:nvCxnSpPr>
+        <p:spPr>
+          <a:xfrm flipH="1" flipV="1">
+            <a:off x="6832790" y="1357474"/>
+            <a:ext cx="4484750" cy="357173"/>
           </a:xfrm>
           <a:prstGeom prst="straightConnector1">
             <a:avLst/>

--- a/knowledge_graph.pptx
+++ b/knowledge_graph.pptx
@@ -3925,7 +3925,7 @@
         </p:nvSpPr>
         <p:spPr>
           <a:xfrm>
-            <a:off x="5951046" y="159569"/>
+            <a:off x="5917555" y="59117"/>
             <a:ext cx="1763488" cy="762000"/>
           </a:xfrm>
           <a:prstGeom prst="ellipse">
@@ -4054,7 +4054,7 @@
         <p:spPr>
           <a:xfrm>
             <a:off x="7927742" y="399066"/>
-            <a:ext cx="1763488" cy="762000"/>
+            <a:ext cx="1544291" cy="762000"/>
           </a:xfrm>
           <a:prstGeom prst="ellipse">
             <a:avLst/>
@@ -5053,9 +5053,9 @@
           <p:nvPr/>
         </p:nvCxnSpPr>
         <p:spPr>
-          <a:xfrm flipV="1">
-            <a:off x="6209303" y="809977"/>
-            <a:ext cx="0" cy="383297"/>
+          <a:xfrm flipH="1" flipV="1">
+            <a:off x="6175812" y="709525"/>
+            <a:ext cx="33491" cy="483749"/>
           </a:xfrm>
           <a:prstGeom prst="straightConnector1">
             <a:avLst/>
@@ -5090,14 +5090,15 @@
           </p:cNvPr>
           <p:cNvCxnSpPr>
             <a:cxnSpLocks/>
+            <a:stCxn id="9" idx="6"/>
             <a:endCxn id="16" idx="2"/>
           </p:cNvCxnSpPr>
           <p:nvPr/>
         </p:nvCxnSpPr>
         <p:spPr>
           <a:xfrm flipV="1">
-            <a:off x="2285924" y="540569"/>
-            <a:ext cx="3665122" cy="118713"/>
+            <a:off x="2363077" y="440117"/>
+            <a:ext cx="3554478" cy="319971"/>
           </a:xfrm>
           <a:prstGeom prst="straightConnector1">
             <a:avLst/>
@@ -5566,8 +5567,8 @@
         </p:nvCxnSpPr>
         <p:spPr>
           <a:xfrm>
-            <a:off x="7456277" y="809977"/>
-            <a:ext cx="766036" cy="940369"/>
+            <a:off x="7422786" y="709525"/>
+            <a:ext cx="799527" cy="1040821"/>
           </a:xfrm>
           <a:prstGeom prst="straightConnector1">
             <a:avLst/>
@@ -5645,14 +5646,14 @@
           </p:cNvPr>
           <p:cNvCxnSpPr>
             <a:cxnSpLocks/>
-            <a:stCxn id="18" idx="2"/>
+            <a:stCxn id="18" idx="3"/>
           </p:cNvCxnSpPr>
           <p:nvPr/>
         </p:nvCxnSpPr>
         <p:spPr>
           <a:xfrm flipH="1">
-            <a:off x="7346467" y="780066"/>
-            <a:ext cx="581275" cy="1638570"/>
+            <a:off x="7346467" y="1049474"/>
+            <a:ext cx="807431" cy="1369162"/>
           </a:xfrm>
           <a:prstGeom prst="straightConnector1">
             <a:avLst/>
@@ -6089,6 +6090,100 @@
           </a:fontRef>
         </p:style>
       </p:cxnSp>
+      <p:sp>
+        <p:nvSpPr>
+          <p:cNvPr id="264" name="Freeform 263">
+            <a:extLst>
+              <a:ext uri="{FF2B5EF4-FFF2-40B4-BE49-F238E27FC236}">
+                <a16:creationId xmlns:a16="http://schemas.microsoft.com/office/drawing/2014/main" id="{E0B25177-B047-0052-C5B8-B2D1ABD097C0}"/>
+              </a:ext>
+            </a:extLst>
+          </p:cNvPr>
+          <p:cNvSpPr/>
+          <p:nvPr/>
+        </p:nvSpPr>
+        <p:spPr>
+          <a:xfrm>
+            <a:off x="7517897" y="32380"/>
+            <a:ext cx="3061015" cy="2560384"/>
+          </a:xfrm>
+          <a:custGeom>
+            <a:avLst/>
+            <a:gdLst>
+              <a:gd name="connsiteX0" fmla="*/ 0 w 3111500"/>
+              <a:gd name="connsiteY0" fmla="*/ 182332 h 2671532"/>
+              <a:gd name="connsiteX1" fmla="*/ 1866900 w 3111500"/>
+              <a:gd name="connsiteY1" fmla="*/ 258532 h 2671532"/>
+              <a:gd name="connsiteX2" fmla="*/ 3111500 w 3111500"/>
+              <a:gd name="connsiteY2" fmla="*/ 2671532 h 2671532"/>
+            </a:gdLst>
+            <a:ahLst/>
+            <a:cxnLst>
+              <a:cxn ang="0">
+                <a:pos x="connsiteX0" y="connsiteY0"/>
+              </a:cxn>
+              <a:cxn ang="0">
+                <a:pos x="connsiteX1" y="connsiteY1"/>
+              </a:cxn>
+              <a:cxn ang="0">
+                <a:pos x="connsiteX2" y="connsiteY2"/>
+              </a:cxn>
+            </a:cxnLst>
+            <a:rect l="l" t="t" r="r" b="b"/>
+            <a:pathLst>
+              <a:path w="3111500" h="2671532">
+                <a:moveTo>
+                  <a:pt x="0" y="182332"/>
+                </a:moveTo>
+                <a:cubicBezTo>
+                  <a:pt x="674158" y="12998"/>
+                  <a:pt x="1348317" y="-156335"/>
+                  <a:pt x="1866900" y="258532"/>
+                </a:cubicBezTo>
+                <a:cubicBezTo>
+                  <a:pt x="2385483" y="673399"/>
+                  <a:pt x="2748491" y="1672465"/>
+                  <a:pt x="3111500" y="2671532"/>
+                </a:cubicBezTo>
+              </a:path>
+            </a:pathLst>
+          </a:custGeom>
+          <a:noFill/>
+          <a:ln w="34925">
+            <a:solidFill>
+              <a:schemeClr val="accent1">
+                <a:lumMod val="60000"/>
+                <a:lumOff val="40000"/>
+              </a:schemeClr>
+            </a:solidFill>
+            <a:tailEnd type="triangle"/>
+          </a:ln>
+        </p:spPr>
+        <p:style>
+          <a:lnRef idx="2">
+            <a:schemeClr val="accent1">
+              <a:shade val="50000"/>
+            </a:schemeClr>
+          </a:lnRef>
+          <a:fillRef idx="1">
+            <a:schemeClr val="accent1"/>
+          </a:fillRef>
+          <a:effectRef idx="0">
+            <a:schemeClr val="accent1"/>
+          </a:effectRef>
+          <a:fontRef idx="minor">
+            <a:schemeClr val="lt1"/>
+          </a:fontRef>
+        </p:style>
+        <p:txBody>
+          <a:bodyPr rtlCol="0" anchor="ctr"/>
+          <a:lstStyle/>
+          <a:p>
+            <a:pPr algn="ctr"/>
+            <a:endParaRPr lang="en-US"/>
+          </a:p>
+        </p:txBody>
+      </p:sp>
     </p:spTree>
     <p:extLst>
       <p:ext uri="{BB962C8B-B14F-4D97-AF65-F5344CB8AC3E}">

--- a/knowledge_graph.pptx
+++ b/knowledge_graph.pptx
@@ -3335,7 +3335,7 @@
         </p:nvSpPr>
         <p:spPr>
           <a:xfrm>
-            <a:off x="3564262" y="2307771"/>
+            <a:off x="3552255" y="2053771"/>
             <a:ext cx="1328059" cy="1121229"/>
           </a:xfrm>
           <a:prstGeom prst="ellipse">
@@ -3821,7 +3821,7 @@
         </p:nvSpPr>
         <p:spPr>
           <a:xfrm>
-            <a:off x="126920" y="3252916"/>
+            <a:off x="127703" y="2826307"/>
             <a:ext cx="1767304" cy="853218"/>
           </a:xfrm>
           <a:prstGeom prst="ellipse">
@@ -3873,7 +3873,7 @@
         </p:nvSpPr>
         <p:spPr>
           <a:xfrm>
-            <a:off x="248866" y="1955203"/>
+            <a:off x="245476" y="1666245"/>
             <a:ext cx="1523411" cy="897189"/>
           </a:xfrm>
           <a:prstGeom prst="ellipse">
@@ -3989,7 +3989,7 @@
         </p:nvSpPr>
         <p:spPr>
           <a:xfrm>
-            <a:off x="6713138" y="2377204"/>
+            <a:off x="6678610" y="2377204"/>
             <a:ext cx="1446101" cy="875712"/>
           </a:xfrm>
           <a:prstGeom prst="ellipse">
@@ -4236,7 +4236,7 @@
         </p:nvSpPr>
         <p:spPr>
           <a:xfrm>
-            <a:off x="9337228" y="5137932"/>
+            <a:off x="9458254" y="5129197"/>
             <a:ext cx="1763488" cy="528355"/>
           </a:xfrm>
           <a:prstGeom prst="roundRect">
@@ -4290,13 +4290,14 @@
           <p:cNvCxnSpPr>
             <a:cxnSpLocks/>
             <a:stCxn id="4" idx="6"/>
+            <a:endCxn id="13" idx="4"/>
           </p:cNvCxnSpPr>
           <p:nvPr/>
         </p:nvCxnSpPr>
         <p:spPr>
           <a:xfrm>
-            <a:off x="4892321" y="2868386"/>
-            <a:ext cx="331976" cy="110255"/>
+            <a:off x="4880314" y="2614386"/>
+            <a:ext cx="466339" cy="3629"/>
           </a:xfrm>
           <a:prstGeom prst="straightConnector1">
             <a:avLst/>
@@ -4375,13 +4376,14 @@
           <p:cNvCxnSpPr>
             <a:cxnSpLocks/>
             <a:stCxn id="17" idx="2"/>
+            <a:endCxn id="13" idx="5"/>
           </p:cNvCxnSpPr>
           <p:nvPr/>
         </p:nvCxnSpPr>
         <p:spPr>
-          <a:xfrm flipH="1">
-            <a:off x="6322948" y="2815060"/>
-            <a:ext cx="390190" cy="136734"/>
+          <a:xfrm flipH="1" flipV="1">
+            <a:off x="6206919" y="2618015"/>
+            <a:ext cx="471691" cy="197045"/>
           </a:xfrm>
           <a:prstGeom prst="straightConnector1">
             <a:avLst/>
@@ -4622,7 +4624,7 @@
         <p:spPr>
           <a:xfrm>
             <a:off x="6206919" y="3887817"/>
-            <a:ext cx="3065881" cy="711772"/>
+            <a:ext cx="3180466" cy="711772"/>
           </a:xfrm>
           <a:prstGeom prst="straightConnector1">
             <a:avLst/>
@@ -4701,13 +4703,14 @@
           <p:cNvCxnSpPr>
             <a:cxnSpLocks/>
             <a:stCxn id="20" idx="7"/>
+            <a:endCxn id="13" idx="3"/>
           </p:cNvCxnSpPr>
           <p:nvPr/>
         </p:nvCxnSpPr>
         <p:spPr>
           <a:xfrm flipV="1">
-            <a:off x="4233480" y="3567969"/>
-            <a:ext cx="933865" cy="303993"/>
+            <a:off x="4233480" y="3252916"/>
+            <a:ext cx="795722" cy="619046"/>
           </a:xfrm>
           <a:prstGeom prst="straightConnector1">
             <a:avLst/>
@@ -4745,7 +4748,7 @@
         </p:nvSpPr>
         <p:spPr>
           <a:xfrm>
-            <a:off x="9272800" y="4279562"/>
+            <a:off x="9387385" y="4279562"/>
             <a:ext cx="1892344" cy="640053"/>
           </a:xfrm>
           <a:prstGeom prst="roundRect">
@@ -4806,7 +4809,7 @@
         <p:spPr>
           <a:xfrm>
             <a:off x="6206919" y="3887817"/>
-            <a:ext cx="3130309" cy="1514293"/>
+            <a:ext cx="3251335" cy="1505558"/>
           </a:xfrm>
           <a:prstGeom prst="straightConnector1">
             <a:avLst/>
@@ -5177,13 +5180,14 @@
           <p:cNvCxnSpPr>
             <a:cxnSpLocks/>
             <a:stCxn id="4" idx="2"/>
+            <a:endCxn id="9" idx="4"/>
           </p:cNvCxnSpPr>
           <p:nvPr/>
         </p:nvCxnSpPr>
         <p:spPr>
           <a:xfrm flipH="1" flipV="1">
-            <a:off x="1534801" y="1282570"/>
-            <a:ext cx="2029461" cy="1585816"/>
+            <a:off x="1481333" y="1320702"/>
+            <a:ext cx="2070922" cy="1293684"/>
           </a:xfrm>
           <a:prstGeom prst="straightConnector1">
             <a:avLst/>
@@ -5219,14 +5223,14 @@
           <p:cNvCxnSpPr>
             <a:cxnSpLocks/>
             <a:stCxn id="15" idx="0"/>
-            <a:endCxn id="9" idx="4"/>
+            <a:endCxn id="9" idx="3"/>
           </p:cNvCxnSpPr>
           <p:nvPr/>
         </p:nvCxnSpPr>
         <p:spPr>
-          <a:xfrm flipV="1">
-            <a:off x="1010572" y="1320702"/>
-            <a:ext cx="470761" cy="634501"/>
+          <a:xfrm flipH="1" flipV="1">
+            <a:off x="857846" y="1156502"/>
+            <a:ext cx="149336" cy="509743"/>
           </a:xfrm>
           <a:prstGeom prst="straightConnector1">
             <a:avLst/>
@@ -5309,8 +5313,8 @@
         </p:nvCxnSpPr>
         <p:spPr>
           <a:xfrm>
-            <a:off x="1010572" y="2852392"/>
-            <a:ext cx="0" cy="400524"/>
+            <a:off x="1007182" y="2563434"/>
+            <a:ext cx="4173" cy="262873"/>
           </a:xfrm>
           <a:prstGeom prst="straightConnector1">
             <a:avLst/>
@@ -5431,15 +5435,15 @@
           </p:cNvPr>
           <p:cNvCxnSpPr>
             <a:cxnSpLocks/>
-            <a:stCxn id="17" idx="6"/>
-            <a:endCxn id="69" idx="2"/>
+            <a:stCxn id="69" idx="2"/>
+            <a:endCxn id="17" idx="6"/>
           </p:cNvCxnSpPr>
           <p:nvPr/>
         </p:nvCxnSpPr>
         <p:spPr>
-          <a:xfrm>
-            <a:off x="8159239" y="2815060"/>
-            <a:ext cx="1712761" cy="239456"/>
+          <a:xfrm flipH="1" flipV="1">
+            <a:off x="8124711" y="2815060"/>
+            <a:ext cx="1747289" cy="239456"/>
           </a:xfrm>
           <a:prstGeom prst="straightConnector1">
             <a:avLst/>
@@ -5481,8 +5485,8 @@
         </p:nvCxnSpPr>
         <p:spPr>
           <a:xfrm flipH="1">
-            <a:off x="10218972" y="3491017"/>
-            <a:ext cx="267386" cy="788545"/>
+            <a:off x="10333557" y="3491017"/>
+            <a:ext cx="152801" cy="788545"/>
           </a:xfrm>
           <a:prstGeom prst="straightConnector1">
             <a:avLst/>
@@ -5525,7 +5529,7 @@
         <p:spPr>
           <a:xfrm>
             <a:off x="4529997" y="4268377"/>
-            <a:ext cx="4742803" cy="331212"/>
+            <a:ext cx="4857388" cy="331212"/>
           </a:xfrm>
           <a:prstGeom prst="straightConnector1">
             <a:avLst/>
@@ -5647,13 +5651,14 @@
           <p:cNvCxnSpPr>
             <a:cxnSpLocks/>
             <a:stCxn id="18" idx="3"/>
+            <a:endCxn id="17" idx="0"/>
           </p:cNvCxnSpPr>
           <p:nvPr/>
         </p:nvCxnSpPr>
         <p:spPr>
           <a:xfrm flipH="1">
-            <a:off x="7346467" y="1049474"/>
-            <a:ext cx="807431" cy="1369162"/>
+            <a:off x="7401661" y="1049474"/>
+            <a:ext cx="752237" cy="1327730"/>
           </a:xfrm>
           <a:prstGeom prst="straightConnector1">
             <a:avLst/>
@@ -5734,7 +5739,7 @@
         </p:nvSpPr>
         <p:spPr>
           <a:xfrm>
-            <a:off x="10530147" y="1714647"/>
+            <a:off x="10482136" y="1504202"/>
             <a:ext cx="1574786" cy="873002"/>
           </a:xfrm>
           <a:prstGeom prst="ellipse">
@@ -5798,9 +5803,9 @@
           <p:nvPr/>
         </p:nvCxnSpPr>
         <p:spPr>
-          <a:xfrm flipH="1" flipV="1">
-            <a:off x="10062037" y="2078533"/>
-            <a:ext cx="468110" cy="72615"/>
+          <a:xfrm flipH="1">
+            <a:off x="10062037" y="1940703"/>
+            <a:ext cx="420099" cy="137830"/>
           </a:xfrm>
           <a:prstGeom prst="straightConnector1">
             <a:avLst/>
@@ -5835,15 +5840,15 @@
           </p:cNvPr>
           <p:cNvCxnSpPr>
             <a:cxnSpLocks/>
-            <a:stCxn id="145" idx="0"/>
-            <a:endCxn id="11" idx="4"/>
+            <a:stCxn id="145" idx="7"/>
+            <a:endCxn id="11" idx="5"/>
           </p:cNvCxnSpPr>
           <p:nvPr/>
         </p:nvCxnSpPr>
         <p:spPr>
           <a:xfrm flipH="1" flipV="1">
-            <a:off x="10905835" y="1418250"/>
-            <a:ext cx="411705" cy="296397"/>
+            <a:off x="11577586" y="1254050"/>
+            <a:ext cx="248714" cy="378000"/>
           </a:xfrm>
           <a:prstGeom prst="straightConnector1">
             <a:avLst/>
@@ -5881,7 +5886,7 @@
         </p:nvSpPr>
         <p:spPr>
           <a:xfrm>
-            <a:off x="46302" y="4447951"/>
+            <a:off x="56431" y="3991030"/>
             <a:ext cx="1928538" cy="719609"/>
           </a:xfrm>
           <a:prstGeom prst="ellipse">
@@ -5936,9 +5941,9 @@
           <p:nvPr/>
         </p:nvCxnSpPr>
         <p:spPr>
-          <a:xfrm flipH="1">
-            <a:off x="1010571" y="4106134"/>
-            <a:ext cx="1" cy="341817"/>
+          <a:xfrm>
+            <a:off x="1011355" y="3679525"/>
+            <a:ext cx="9345" cy="311505"/>
           </a:xfrm>
           <a:prstGeom prst="straightConnector1">
             <a:avLst/>
@@ -6016,14 +6021,15 @@
           </p:cNvPr>
           <p:cNvCxnSpPr>
             <a:cxnSpLocks/>
-            <a:stCxn id="145" idx="6"/>
+            <a:stCxn id="145" idx="5"/>
+            <a:endCxn id="21" idx="3"/>
           </p:cNvCxnSpPr>
           <p:nvPr/>
         </p:nvCxnSpPr>
         <p:spPr>
           <a:xfrm flipH="1">
-            <a:off x="11117206" y="2151148"/>
-            <a:ext cx="987727" cy="3380140"/>
+            <a:off x="11221742" y="2249356"/>
+            <a:ext cx="604558" cy="3144019"/>
           </a:xfrm>
           <a:prstGeom prst="straightConnector1">
             <a:avLst/>
@@ -6058,7 +6064,7 @@
           </p:cNvPr>
           <p:cNvCxnSpPr>
             <a:cxnSpLocks/>
-            <a:stCxn id="145" idx="0"/>
+            <a:stCxn id="145" idx="1"/>
             <a:endCxn id="5" idx="7"/>
           </p:cNvCxnSpPr>
           <p:nvPr/>
@@ -6066,7 +6072,7 @@
         <p:spPr>
           <a:xfrm flipH="1" flipV="1">
             <a:off x="6832790" y="1357474"/>
-            <a:ext cx="4484750" cy="357173"/>
+            <a:ext cx="3879968" cy="274576"/>
           </a:xfrm>
           <a:prstGeom prst="straightConnector1">
             <a:avLst/>
